--- a/scanning.pptx
+++ b/scanning.pptx
@@ -226,7 +226,7 @@
           <a:p>
             <a:fld id="{ED84AEFD-38B8-C345-A787-4D64BF525EF9}" type="datetimeFigureOut">
               <a:rPr lang="en-US" smtClean="0"/>
-              <a:t>1/4/20</a:t>
+              <a:t>2/10/20</a:t>
             </a:fld>
             <a:endParaRPr lang="en-US"/>
           </a:p>
@@ -640,7 +640,7 @@
           <a:p>
             <a:fld id="{0B6210C0-DE89-DA42-A6DB-BD29A74278E9}" type="datetime1">
               <a:rPr lang="en-US" smtClean="0"/>
-              <a:t>1/4/20</a:t>
+              <a:t>2/10/20</a:t>
             </a:fld>
             <a:endParaRPr lang="en-US"/>
           </a:p>
@@ -841,7 +841,7 @@
           <a:p>
             <a:fld id="{6EC551EC-51FA-6748-A3F1-589B90B7664C}" type="datetime1">
               <a:rPr lang="en-US" smtClean="0"/>
-              <a:t>1/4/20</a:t>
+              <a:t>2/10/20</a:t>
             </a:fld>
             <a:endParaRPr lang="en-US"/>
           </a:p>
@@ -1052,7 +1052,7 @@
           <a:p>
             <a:fld id="{102ADA6E-8082-8C41-9E78-F4B26B393298}" type="datetime1">
               <a:rPr lang="en-US" smtClean="0"/>
-              <a:t>1/4/20</a:t>
+              <a:t>2/10/20</a:t>
             </a:fld>
             <a:endParaRPr lang="en-US"/>
           </a:p>
@@ -1253,7 +1253,7 @@
           <a:p>
             <a:fld id="{109BF26D-6490-C64E-AF1E-CC03DDA9C9F7}" type="datetime1">
               <a:rPr lang="en-US" smtClean="0"/>
-              <a:t>1/4/20</a:t>
+              <a:t>2/10/20</a:t>
             </a:fld>
             <a:endParaRPr lang="en-US"/>
           </a:p>
@@ -1531,7 +1531,7 @@
           <a:p>
             <a:fld id="{E2CFEEE7-9BA1-8A4A-85A5-FE65CDC3854C}" type="datetime1">
               <a:rPr lang="en-US" smtClean="0"/>
-              <a:t>1/4/20</a:t>
+              <a:t>2/10/20</a:t>
             </a:fld>
             <a:endParaRPr lang="en-US"/>
           </a:p>
@@ -1799,7 +1799,7 @@
           <a:p>
             <a:fld id="{27F94AA3-58B9-AE42-B0D1-A84E7AA36DAE}" type="datetime1">
               <a:rPr lang="en-US" smtClean="0"/>
-              <a:t>1/4/20</a:t>
+              <a:t>2/10/20</a:t>
             </a:fld>
             <a:endParaRPr lang="en-US"/>
           </a:p>
@@ -2214,7 +2214,7 @@
           <a:p>
             <a:fld id="{A11418AA-DCFC-CE45-9E12-B24AF1B02252}" type="datetime1">
               <a:rPr lang="en-US" smtClean="0"/>
-              <a:t>1/4/20</a:t>
+              <a:t>2/10/20</a:t>
             </a:fld>
             <a:endParaRPr lang="en-US"/>
           </a:p>
@@ -2358,7 +2358,7 @@
           <a:p>
             <a:fld id="{CA59F37E-8B99-554B-8BCC-D95F12E1339B}" type="datetime1">
               <a:rPr lang="en-US" smtClean="0"/>
-              <a:t>1/4/20</a:t>
+              <a:t>2/10/20</a:t>
             </a:fld>
             <a:endParaRPr lang="en-US"/>
           </a:p>
@@ -2474,7 +2474,7 @@
           <a:p>
             <a:fld id="{DE7A07C1-84B4-D048-945D-866E5165F3FC}" type="datetime1">
               <a:rPr lang="en-US" smtClean="0"/>
-              <a:t>1/4/20</a:t>
+              <a:t>2/10/20</a:t>
             </a:fld>
             <a:endParaRPr lang="en-US"/>
           </a:p>
@@ -2788,7 +2788,7 @@
           <a:p>
             <a:fld id="{E66A824E-467E-B043-AD51-415073F8297E}" type="datetime1">
               <a:rPr lang="en-US" smtClean="0"/>
-              <a:t>1/4/20</a:t>
+              <a:t>2/10/20</a:t>
             </a:fld>
             <a:endParaRPr lang="en-US"/>
           </a:p>
@@ -3079,7 +3079,7 @@
           <a:p>
             <a:fld id="{9C55CC19-38D7-1D48-8C70-BAE869026916}" type="datetime1">
               <a:rPr lang="en-US" smtClean="0"/>
-              <a:t>1/4/20</a:t>
+              <a:t>2/10/20</a:t>
             </a:fld>
             <a:endParaRPr lang="en-US"/>
           </a:p>
@@ -3323,7 +3323,7 @@
           <a:p>
             <a:fld id="{0DD77EDE-9B12-2148-8221-D0CC4FD22588}" type="datetime1">
               <a:rPr lang="en-US" smtClean="0"/>
-              <a:t>1/4/20</a:t>
+              <a:t>2/10/20</a:t>
             </a:fld>
             <a:endParaRPr lang="en-US"/>
           </a:p>
@@ -10141,6 +10141,230 @@
           </a:p>
         </p:txBody>
       </p:sp>
+      <p:sp>
+        <p:nvSpPr>
+          <p:cNvPr id="46" name="Oval 45">
+            <a:extLst>
+              <a:ext uri="{FF2B5EF4-FFF2-40B4-BE49-F238E27FC236}">
+                <a16:creationId xmlns:a16="http://schemas.microsoft.com/office/drawing/2014/main" id="{A0BA03FA-A4FE-AE47-8FDC-A9722B20B030}"/>
+              </a:ext>
+            </a:extLst>
+          </p:cNvPr>
+          <p:cNvSpPr/>
+          <p:nvPr/>
+        </p:nvSpPr>
+        <p:spPr>
+          <a:xfrm>
+            <a:off x="3377724" y="2085063"/>
+            <a:ext cx="761556" cy="702407"/>
+          </a:xfrm>
+          <a:prstGeom prst="ellipse">
+            <a:avLst/>
+          </a:prstGeom>
+          <a:noFill/>
+          <a:ln w="57150">
+            <a:solidFill>
+              <a:srgbClr val="0D09F4"/>
+            </a:solidFill>
+          </a:ln>
+        </p:spPr>
+        <p:style>
+          <a:lnRef idx="2">
+            <a:schemeClr val="accent1">
+              <a:shade val="50000"/>
+            </a:schemeClr>
+          </a:lnRef>
+          <a:fillRef idx="1">
+            <a:schemeClr val="accent1"/>
+          </a:fillRef>
+          <a:effectRef idx="0">
+            <a:schemeClr val="accent1"/>
+          </a:effectRef>
+          <a:fontRef idx="minor">
+            <a:schemeClr val="lt1"/>
+          </a:fontRef>
+        </p:style>
+        <p:txBody>
+          <a:bodyPr rtlCol="0" anchor="ctr"/>
+          <a:lstStyle/>
+          <a:p>
+            <a:pPr algn="ctr"/>
+            <a:endParaRPr lang="en-US" sz="3800" b="1" dirty="0">
+              <a:solidFill>
+                <a:srgbClr val="0D09F4"/>
+              </a:solidFill>
+            </a:endParaRPr>
+          </a:p>
+        </p:txBody>
+      </p:sp>
+      <p:sp>
+        <p:nvSpPr>
+          <p:cNvPr id="47" name="Oval 46">
+            <a:extLst>
+              <a:ext uri="{FF2B5EF4-FFF2-40B4-BE49-F238E27FC236}">
+                <a16:creationId xmlns:a16="http://schemas.microsoft.com/office/drawing/2014/main" id="{39669EB4-0628-D442-9DFB-D693CD2D956F}"/>
+              </a:ext>
+            </a:extLst>
+          </p:cNvPr>
+          <p:cNvSpPr/>
+          <p:nvPr/>
+        </p:nvSpPr>
+        <p:spPr>
+          <a:xfrm>
+            <a:off x="3451410" y="4410712"/>
+            <a:ext cx="761556" cy="702407"/>
+          </a:xfrm>
+          <a:prstGeom prst="ellipse">
+            <a:avLst/>
+          </a:prstGeom>
+          <a:noFill/>
+          <a:ln w="57150">
+            <a:solidFill>
+              <a:srgbClr val="0D09F4"/>
+            </a:solidFill>
+          </a:ln>
+        </p:spPr>
+        <p:style>
+          <a:lnRef idx="2">
+            <a:schemeClr val="accent1">
+              <a:shade val="50000"/>
+            </a:schemeClr>
+          </a:lnRef>
+          <a:fillRef idx="1">
+            <a:schemeClr val="accent1"/>
+          </a:fillRef>
+          <a:effectRef idx="0">
+            <a:schemeClr val="accent1"/>
+          </a:effectRef>
+          <a:fontRef idx="minor">
+            <a:schemeClr val="lt1"/>
+          </a:fontRef>
+        </p:style>
+        <p:txBody>
+          <a:bodyPr rtlCol="0" anchor="ctr"/>
+          <a:lstStyle/>
+          <a:p>
+            <a:pPr algn="ctr"/>
+            <a:endParaRPr lang="en-US" sz="3800" b="1" dirty="0">
+              <a:solidFill>
+                <a:srgbClr val="0D09F4"/>
+              </a:solidFill>
+            </a:endParaRPr>
+          </a:p>
+        </p:txBody>
+      </p:sp>
+      <p:sp>
+        <p:nvSpPr>
+          <p:cNvPr id="48" name="Oval 47">
+            <a:extLst>
+              <a:ext uri="{FF2B5EF4-FFF2-40B4-BE49-F238E27FC236}">
+                <a16:creationId xmlns:a16="http://schemas.microsoft.com/office/drawing/2014/main" id="{E55F3A7A-18A6-ED4D-8CC0-EDC780979A06}"/>
+              </a:ext>
+            </a:extLst>
+          </p:cNvPr>
+          <p:cNvSpPr/>
+          <p:nvPr/>
+        </p:nvSpPr>
+        <p:spPr>
+          <a:xfrm>
+            <a:off x="10171505" y="2177265"/>
+            <a:ext cx="761556" cy="702407"/>
+          </a:xfrm>
+          <a:prstGeom prst="ellipse">
+            <a:avLst/>
+          </a:prstGeom>
+          <a:noFill/>
+          <a:ln w="57150">
+            <a:solidFill>
+              <a:srgbClr val="0D09F4"/>
+            </a:solidFill>
+          </a:ln>
+        </p:spPr>
+        <p:style>
+          <a:lnRef idx="2">
+            <a:schemeClr val="accent1">
+              <a:shade val="50000"/>
+            </a:schemeClr>
+          </a:lnRef>
+          <a:fillRef idx="1">
+            <a:schemeClr val="accent1"/>
+          </a:fillRef>
+          <a:effectRef idx="0">
+            <a:schemeClr val="accent1"/>
+          </a:effectRef>
+          <a:fontRef idx="minor">
+            <a:schemeClr val="lt1"/>
+          </a:fontRef>
+        </p:style>
+        <p:txBody>
+          <a:bodyPr rtlCol="0" anchor="ctr"/>
+          <a:lstStyle/>
+          <a:p>
+            <a:pPr algn="ctr"/>
+            <a:endParaRPr lang="en-US" sz="3800" b="1" dirty="0">
+              <a:solidFill>
+                <a:srgbClr val="0D09F4"/>
+              </a:solidFill>
+            </a:endParaRPr>
+          </a:p>
+        </p:txBody>
+      </p:sp>
+      <p:sp>
+        <p:nvSpPr>
+          <p:cNvPr id="49" name="Oval 48">
+            <a:extLst>
+              <a:ext uri="{FF2B5EF4-FFF2-40B4-BE49-F238E27FC236}">
+                <a16:creationId xmlns:a16="http://schemas.microsoft.com/office/drawing/2014/main" id="{CD1C307E-8EBE-B640-9697-D4B1D8DF7B93}"/>
+              </a:ext>
+            </a:extLst>
+          </p:cNvPr>
+          <p:cNvSpPr/>
+          <p:nvPr/>
+        </p:nvSpPr>
+        <p:spPr>
+          <a:xfrm>
+            <a:off x="10523233" y="4793860"/>
+            <a:ext cx="761556" cy="702407"/>
+          </a:xfrm>
+          <a:prstGeom prst="ellipse">
+            <a:avLst/>
+          </a:prstGeom>
+          <a:noFill/>
+          <a:ln w="57150">
+            <a:solidFill>
+              <a:srgbClr val="0D09F4"/>
+            </a:solidFill>
+          </a:ln>
+        </p:spPr>
+        <p:style>
+          <a:lnRef idx="2">
+            <a:schemeClr val="accent1">
+              <a:shade val="50000"/>
+            </a:schemeClr>
+          </a:lnRef>
+          <a:fillRef idx="1">
+            <a:schemeClr val="accent1"/>
+          </a:fillRef>
+          <a:effectRef idx="0">
+            <a:schemeClr val="accent1"/>
+          </a:effectRef>
+          <a:fontRef idx="minor">
+            <a:schemeClr val="lt1"/>
+          </a:fontRef>
+        </p:style>
+        <p:txBody>
+          <a:bodyPr rtlCol="0" anchor="ctr"/>
+          <a:lstStyle/>
+          <a:p>
+            <a:pPr algn="ctr"/>
+            <a:endParaRPr lang="en-US" sz="3800" b="1" dirty="0">
+              <a:solidFill>
+                <a:srgbClr val="0D09F4"/>
+              </a:solidFill>
+            </a:endParaRPr>
+          </a:p>
+        </p:txBody>
+      </p:sp>
     </p:spTree>
     <p:extLst>
       <p:ext uri="{BB962C8B-B14F-4D97-AF65-F5344CB8AC3E}">
@@ -12296,6 +12520,142 @@
           </a:p>
         </p:txBody>
       </p:sp>
+      <p:sp>
+        <p:nvSpPr>
+          <p:cNvPr id="64" name="Oval 63">
+            <a:extLst>
+              <a:ext uri="{FF2B5EF4-FFF2-40B4-BE49-F238E27FC236}">
+                <a16:creationId xmlns:a16="http://schemas.microsoft.com/office/drawing/2014/main" id="{44B5962C-A184-5949-9C07-05175628AB03}"/>
+              </a:ext>
+            </a:extLst>
+          </p:cNvPr>
+          <p:cNvSpPr/>
+          <p:nvPr/>
+        </p:nvSpPr>
+        <p:spPr>
+          <a:xfrm>
+            <a:off x="11159416" y="3341113"/>
+            <a:ext cx="761556" cy="702407"/>
+          </a:xfrm>
+          <a:prstGeom prst="ellipse">
+            <a:avLst/>
+          </a:prstGeom>
+          <a:noFill/>
+          <a:ln w="57150">
+            <a:solidFill>
+              <a:srgbClr val="0D09F4"/>
+            </a:solidFill>
+          </a:ln>
+        </p:spPr>
+        <p:style>
+          <a:lnRef idx="2">
+            <a:schemeClr val="accent1">
+              <a:shade val="50000"/>
+            </a:schemeClr>
+          </a:lnRef>
+          <a:fillRef idx="1">
+            <a:schemeClr val="accent1"/>
+          </a:fillRef>
+          <a:effectRef idx="0">
+            <a:schemeClr val="accent1"/>
+          </a:effectRef>
+          <a:fontRef idx="minor">
+            <a:schemeClr val="lt1"/>
+          </a:fontRef>
+        </p:style>
+        <p:txBody>
+          <a:bodyPr rtlCol="0" anchor="ctr"/>
+          <a:lstStyle/>
+          <a:p>
+            <a:pPr algn="ctr"/>
+            <a:endParaRPr lang="en-US" sz="3800" b="1" dirty="0">
+              <a:solidFill>
+                <a:srgbClr val="0D09F4"/>
+              </a:solidFill>
+            </a:endParaRPr>
+          </a:p>
+        </p:txBody>
+      </p:sp>
+      <p:sp>
+        <p:nvSpPr>
+          <p:cNvPr id="67" name="TextBox 66">
+            <a:extLst>
+              <a:ext uri="{FF2B5EF4-FFF2-40B4-BE49-F238E27FC236}">
+                <a16:creationId xmlns:a16="http://schemas.microsoft.com/office/drawing/2014/main" id="{349CF53E-F744-5D47-B6E2-FDDEFDF4EB06}"/>
+              </a:ext>
+            </a:extLst>
+          </p:cNvPr>
+          <p:cNvSpPr txBox="1"/>
+          <p:nvPr/>
+        </p:nvSpPr>
+        <p:spPr>
+          <a:xfrm>
+            <a:off x="10559471" y="2972163"/>
+            <a:ext cx="386644" cy="646331"/>
+          </a:xfrm>
+          <a:prstGeom prst="rect">
+            <a:avLst/>
+          </a:prstGeom>
+          <a:noFill/>
+        </p:spPr>
+        <p:txBody>
+          <a:bodyPr wrap="none" rtlCol="0">
+            <a:spAutoFit/>
+          </a:bodyPr>
+          <a:lstStyle/>
+          <a:p>
+            <a:r>
+              <a:rPr lang="en-US" sz="3600" dirty="0">
+                <a:solidFill>
+                  <a:srgbClr val="0D09F4"/>
+                </a:solidFill>
+                <a:latin typeface="Symbol" pitchFamily="2" charset="2"/>
+              </a:rPr>
+              <a:t>e</a:t>
+            </a:r>
+          </a:p>
+        </p:txBody>
+      </p:sp>
+      <p:sp>
+        <p:nvSpPr>
+          <p:cNvPr id="68" name="TextBox 67">
+            <a:extLst>
+              <a:ext uri="{FF2B5EF4-FFF2-40B4-BE49-F238E27FC236}">
+                <a16:creationId xmlns:a16="http://schemas.microsoft.com/office/drawing/2014/main" id="{1F316B40-500E-C54D-8637-0CF625579010}"/>
+              </a:ext>
+            </a:extLst>
+          </p:cNvPr>
+          <p:cNvSpPr txBox="1"/>
+          <p:nvPr/>
+        </p:nvSpPr>
+        <p:spPr>
+          <a:xfrm>
+            <a:off x="5075944" y="3032500"/>
+            <a:ext cx="386644" cy="646331"/>
+          </a:xfrm>
+          <a:prstGeom prst="rect">
+            <a:avLst/>
+          </a:prstGeom>
+          <a:noFill/>
+        </p:spPr>
+        <p:txBody>
+          <a:bodyPr wrap="none" rtlCol="0">
+            <a:spAutoFit/>
+          </a:bodyPr>
+          <a:lstStyle/>
+          <a:p>
+            <a:r>
+              <a:rPr lang="en-US" sz="3600" dirty="0">
+                <a:solidFill>
+                  <a:srgbClr val="0D09F4"/>
+                </a:solidFill>
+                <a:latin typeface="Symbol" pitchFamily="2" charset="2"/>
+              </a:rPr>
+              <a:t>e</a:t>
+            </a:r>
+          </a:p>
+        </p:txBody>
+      </p:sp>
     </p:spTree>
     <p:extLst>
       <p:ext uri="{BB962C8B-B14F-4D97-AF65-F5344CB8AC3E}">
@@ -13696,6 +14056,86 @@
           </a:p>
         </p:txBody>
       </p:sp>
+      <p:sp>
+        <p:nvSpPr>
+          <p:cNvPr id="33" name="TextBox 32">
+            <a:extLst>
+              <a:ext uri="{FF2B5EF4-FFF2-40B4-BE49-F238E27FC236}">
+                <a16:creationId xmlns:a16="http://schemas.microsoft.com/office/drawing/2014/main" id="{0DA3B6DF-1620-2344-92FC-5F6476E86B22}"/>
+              </a:ext>
+            </a:extLst>
+          </p:cNvPr>
+          <p:cNvSpPr txBox="1"/>
+          <p:nvPr/>
+        </p:nvSpPr>
+        <p:spPr>
+          <a:xfrm>
+            <a:off x="3164551" y="3023632"/>
+            <a:ext cx="386644" cy="646331"/>
+          </a:xfrm>
+          <a:prstGeom prst="rect">
+            <a:avLst/>
+          </a:prstGeom>
+          <a:noFill/>
+        </p:spPr>
+        <p:txBody>
+          <a:bodyPr wrap="none" rtlCol="0">
+            <a:spAutoFit/>
+          </a:bodyPr>
+          <a:lstStyle/>
+          <a:p>
+            <a:r>
+              <a:rPr lang="en-US" sz="3600" dirty="0">
+                <a:solidFill>
+                  <a:srgbClr val="0D09F4"/>
+                </a:solidFill>
+                <a:latin typeface="Symbol" pitchFamily="2" charset="2"/>
+              </a:rPr>
+              <a:t>e</a:t>
+            </a:r>
+          </a:p>
+        </p:txBody>
+      </p:sp>
+      <p:sp>
+        <p:nvSpPr>
+          <p:cNvPr id="34" name="TextBox 33">
+            <a:extLst>
+              <a:ext uri="{FF2B5EF4-FFF2-40B4-BE49-F238E27FC236}">
+                <a16:creationId xmlns:a16="http://schemas.microsoft.com/office/drawing/2014/main" id="{D7E3CDAD-5CC7-5543-9D08-62CD8D70D2C0}"/>
+              </a:ext>
+            </a:extLst>
+          </p:cNvPr>
+          <p:cNvSpPr txBox="1"/>
+          <p:nvPr/>
+        </p:nvSpPr>
+        <p:spPr>
+          <a:xfrm>
+            <a:off x="8652600" y="3092310"/>
+            <a:ext cx="386644" cy="646331"/>
+          </a:xfrm>
+          <a:prstGeom prst="rect">
+            <a:avLst/>
+          </a:prstGeom>
+          <a:noFill/>
+        </p:spPr>
+        <p:txBody>
+          <a:bodyPr wrap="none" rtlCol="0">
+            <a:spAutoFit/>
+          </a:bodyPr>
+          <a:lstStyle/>
+          <a:p>
+            <a:r>
+              <a:rPr lang="en-US" sz="3600" dirty="0">
+                <a:solidFill>
+                  <a:srgbClr val="0D09F4"/>
+                </a:solidFill>
+                <a:latin typeface="Symbol" pitchFamily="2" charset="2"/>
+              </a:rPr>
+              <a:t>e</a:t>
+            </a:r>
+          </a:p>
+        </p:txBody>
+      </p:sp>
     </p:spTree>
     <p:extLst>
       <p:ext uri="{BB962C8B-B14F-4D97-AF65-F5344CB8AC3E}">
@@ -14111,7 +14551,17 @@
             </a:r>
             <a:r>
               <a:rPr lang="en-US" dirty="0"/>
-              <a:t> in S; if </a:t>
+              <a:t> in </a:t>
+            </a:r>
+            <a:r>
+              <a:rPr lang="en-US" dirty="0">
+                <a:latin typeface="Symbol" pitchFamily="2" charset="2"/>
+              </a:rPr>
+              <a:t>S</a:t>
+            </a:r>
+            <a:r>
+              <a:rPr lang="en-US" dirty="0"/>
+              <a:t>; if </a:t>
             </a:r>
             <a:r>
               <a:rPr lang="en-US" dirty="0" err="1"/>
@@ -15125,7 +15575,7 @@
           <p:nvPr>
             <p:extLst>
               <p:ext uri="{D42A27DB-BD31-4B8C-83A1-F6EECF244321}">
-                <p14:modId xmlns:p14="http://schemas.microsoft.com/office/powerpoint/2010/main" val="1389163020"/>
+                <p14:modId xmlns:p14="http://schemas.microsoft.com/office/powerpoint/2010/main" val="179165156"/>
               </p:ext>
             </p:extLst>
           </p:nvPr>
@@ -15236,7 +15686,7 @@
                     <a:p>
                       <a:r>
                         <a:rPr lang="en-US" dirty="0"/>
-                        <a:t>{q0} = q’0</a:t>
+                        <a:t>{q0}</a:t>
                       </a:r>
                     </a:p>
                   </a:txBody>
@@ -15249,7 +15699,7 @@
                     <a:p>
                       <a:r>
                         <a:rPr lang="en-US" dirty="0"/>
-                        <a:t>{q1} = q’1</a:t>
+                        <a:t>{q1}</a:t>
                       </a:r>
                     </a:p>
                   </a:txBody>
@@ -15282,7 +15732,7 @@
                     <a:p>
                       <a:r>
                         <a:rPr lang="en-US" dirty="0"/>
-                        <a:t>{q1,q2} = q’2</a:t>
+                        <a:t>{q1,q2}</a:t>
                       </a:r>
                     </a:p>
                   </a:txBody>
@@ -15295,7 +15745,7 @@
                     <a:p>
                       <a:r>
                         <a:rPr lang="en-US" dirty="0"/>
-                        <a:t>{q2} = q’3 </a:t>
+                        <a:t>{q1}</a:t>
                       </a:r>
                     </a:p>
                   </a:txBody>
@@ -15328,7 +15778,7 @@
                     <a:p>
                       <a:r>
                         <a:rPr lang="en-US" dirty="0"/>
-                        <a:t>{q2} = q’3</a:t>
+                        <a:t>{q2}</a:t>
                       </a:r>
                     </a:p>
                   </a:txBody>
@@ -15341,7 +15791,7 @@
                     <a:p>
                       <a:r>
                         <a:rPr lang="en-US" dirty="0"/>
-                        <a:t>{q1,q2} = q’2</a:t>
+                        <a:t>{q1,q2}</a:t>
                       </a:r>
                     </a:p>
                   </a:txBody>
